--- a/coffe shop sales analysis pdf.pptx
+++ b/coffe shop sales analysis pdf.pptx
@@ -104,6 +104,11 @@
       </a:defRPr>
     </a:lvl9pPr>
   </p:defaultTextStyle>
+  <p:extLst>
+    <p:ext uri="{EFAFB233-063F-42B5-8137-9DF3F51BA10A}">
+      <p15:sldGuideLst xmlns:p15="http://schemas.microsoft.com/office/powerpoint/2012/main"/>
+    </p:ext>
+  </p:extLst>
 </p:presentation>
 </file>
 
@@ -3420,8 +3425,8 @@
         </p:blipFill>
         <p:spPr>
           <a:xfrm>
-            <a:off x="0" y="-117987"/>
-            <a:ext cx="12192000" cy="6858000"/>
+            <a:off x="0" y="-117988"/>
+            <a:ext cx="12192000" cy="6975987"/>
           </a:xfrm>
           <a:prstGeom prst="rect">
             <a:avLst/>
@@ -3442,8 +3447,8 @@
         </p:nvSpPr>
         <p:spPr>
           <a:xfrm>
-            <a:off x="2921221" y="179023"/>
-            <a:ext cx="7669161" cy="646331"/>
+            <a:off x="2743737" y="215589"/>
+            <a:ext cx="7669161" cy="584775"/>
           </a:xfrm>
           <a:prstGeom prst="rect">
             <a:avLst/>
@@ -3461,10 +3466,10 @@
               <a:t>                                               </a:t>
             </a:r>
             <a:r>
-              <a:rPr lang="en-US" sz="3600" dirty="0"/>
+              <a:rPr lang="en-US" sz="3200" b="1" u="sng" dirty="0"/>
               <a:t>RECOMMENDED ANALYSIS</a:t>
             </a:r>
-            <a:endParaRPr lang="en-IN" sz="3600" dirty="0"/>
+            <a:endParaRPr lang="en-IN" sz="3200" b="1" u="sng" dirty="0"/>
           </a:p>
         </p:txBody>
       </p:sp>
